--- a/02_Basics of PL SQL/02-02_en_Procedures_functions_SELECT_exceptions_cursors.pptx
+++ b/02_Basics of PL SQL/02-02_en_Procedures_functions_SELECT_exceptions_cursors.pptx
@@ -27,6 +27,7 @@
     <p:sldId id="374" r:id="rId21"/>
     <p:sldId id="375" r:id="rId22"/>
     <p:sldId id="377" r:id="rId23"/>
+    <p:sldId id="378" r:id="rId24"/>
   </p:sldIdLst>
   <p:sldSz cx="9144000" cy="6858000" type="screen4x3"/>
   <p:notesSz cx="6858000" cy="9144000"/>
@@ -7354,6 +7355,276 @@
     <p:extLst>
       <p:ext uri="{BB962C8B-B14F-4D97-AF65-F5344CB8AC3E}">
         <p14:creationId xmlns:p14="http://schemas.microsoft.com/office/powerpoint/2010/main" val="1285823525"/>
+      </p:ext>
+    </p:extLst>
+  </p:cSld>
+  <p:clrMapOvr>
+    <a:masterClrMapping/>
+  </p:clrMapOvr>
+  <p:transition>
+    <p:random/>
+  </p:transition>
+</p:sld>
+</file>
+
+<file path=ppt/slides/slide23.xml><?xml version="1.0" encoding="utf-8"?>
+<p:sld xmlns:a="http://schemas.openxmlformats.org/drawingml/2006/main" xmlns:r="http://schemas.openxmlformats.org/officeDocument/2006/relationships" xmlns:p="http://schemas.openxmlformats.org/presentationml/2006/main">
+  <p:cSld>
+    <p:spTree>
+      <p:nvGrpSpPr>
+        <p:cNvPr id="1" name=""/>
+        <p:cNvGrpSpPr/>
+        <p:nvPr/>
+      </p:nvGrpSpPr>
+      <p:grpSpPr>
+        <a:xfrm>
+          <a:off x="0" y="0"/>
+          <a:ext cx="0" cy="0"/>
+          <a:chOff x="0" y="0"/>
+          <a:chExt cx="0" cy="0"/>
+        </a:xfrm>
+      </p:grpSpPr>
+      <p:sp>
+        <p:nvSpPr>
+          <p:cNvPr id="2" name="Title 1"/>
+          <p:cNvSpPr>
+            <a:spLocks noGrp="1"/>
+          </p:cNvSpPr>
+          <p:nvPr>
+            <p:ph type="title"/>
+          </p:nvPr>
+        </p:nvSpPr>
+        <p:spPr>
+          <a:xfrm>
+            <a:off x="152400" y="76200"/>
+            <a:ext cx="8763000" cy="1143000"/>
+          </a:xfrm>
+        </p:spPr>
+        <p:txBody>
+          <a:bodyPr anchor="ctr">
+            <a:normAutofit fontScale="90000"/>
+          </a:bodyPr>
+          <a:lstStyle/>
+          <a:p>
+            <a:pPr algn="ctr"/>
+            <a:r>
+              <a:rPr lang="ro-RO" sz="3600" dirty="0" err="1">
+                <a:latin typeface="American Typewriter"/>
+                <a:ea typeface="Arial Unicode MS" panose="020B0604020202020204" pitchFamily="34" charset="-128"/>
+                <a:cs typeface="American Typewriter"/>
+              </a:rPr>
+              <a:t>Git</a:t>
+            </a:r>
+            <a:r>
+              <a:rPr lang="ro-RO" sz="3600" dirty="0">
+                <a:latin typeface="American Typewriter"/>
+                <a:ea typeface="Arial Unicode MS" panose="020B0604020202020204" pitchFamily="34" charset="-128"/>
+                <a:cs typeface="American Typewriter"/>
+              </a:rPr>
+              <a:t> Hub </a:t>
+            </a:r>
+            <a:r>
+              <a:rPr lang="ro-RO" sz="3600" dirty="0" err="1">
+                <a:latin typeface="American Typewriter"/>
+                <a:ea typeface="Arial Unicode MS" panose="020B0604020202020204" pitchFamily="34" charset="-128"/>
+                <a:cs typeface="American Typewriter"/>
+              </a:rPr>
+              <a:t>Scripts</a:t>
+            </a:r>
+            <a:r>
+              <a:rPr lang="ro-RO" sz="3600" dirty="0">
+                <a:latin typeface="American Typewriter"/>
+                <a:ea typeface="Arial Unicode MS" panose="020B0604020202020204" pitchFamily="34" charset="-128"/>
+                <a:cs typeface="American Typewriter"/>
+              </a:rPr>
+              <a:t> Associated </a:t>
+            </a:r>
+            <a:r>
+              <a:rPr lang="ro-RO" sz="3600" dirty="0" err="1">
+                <a:latin typeface="American Typewriter"/>
+                <a:ea typeface="Arial Unicode MS" panose="020B0604020202020204" pitchFamily="34" charset="-128"/>
+                <a:cs typeface="American Typewriter"/>
+              </a:rPr>
+              <a:t>with</a:t>
+            </a:r>
+            <a:r>
+              <a:rPr lang="ro-RO" sz="3600" dirty="0">
+                <a:latin typeface="American Typewriter"/>
+                <a:ea typeface="Arial Unicode MS" panose="020B0604020202020204" pitchFamily="34" charset="-128"/>
+                <a:cs typeface="American Typewriter"/>
+              </a:rPr>
+              <a:t> </a:t>
+            </a:r>
+            <a:r>
+              <a:rPr lang="ro-RO" sz="3600" dirty="0" err="1">
+                <a:latin typeface="American Typewriter"/>
+                <a:ea typeface="Arial Unicode MS" panose="020B0604020202020204" pitchFamily="34" charset="-128"/>
+                <a:cs typeface="American Typewriter"/>
+              </a:rPr>
+              <a:t>this</a:t>
+            </a:r>
+            <a:r>
+              <a:rPr lang="ro-RO" sz="3600" dirty="0">
+                <a:latin typeface="American Typewriter"/>
+                <a:ea typeface="Arial Unicode MS" panose="020B0604020202020204" pitchFamily="34" charset="-128"/>
+                <a:cs typeface="American Typewriter"/>
+              </a:rPr>
+              <a:t> </a:t>
+            </a:r>
+            <a:r>
+              <a:rPr lang="ro-RO" sz="3600" dirty="0" err="1">
+                <a:latin typeface="American Typewriter"/>
+                <a:ea typeface="Arial Unicode MS" panose="020B0604020202020204" pitchFamily="34" charset="-128"/>
+                <a:cs typeface="American Typewriter"/>
+              </a:rPr>
+              <a:t>Presentation</a:t>
+            </a:r>
+            <a:endParaRPr lang="en-US" sz="3600" dirty="0">
+              <a:latin typeface="American Typewriter"/>
+              <a:ea typeface="Arial Unicode MS" panose="020B0604020202020204" pitchFamily="34" charset="-128"/>
+              <a:cs typeface="American Typewriter"/>
+            </a:endParaRPr>
+          </a:p>
+        </p:txBody>
+      </p:sp>
+      <p:sp>
+        <p:nvSpPr>
+          <p:cNvPr id="3" name="Content Placeholder 2"/>
+          <p:cNvSpPr>
+            <a:spLocks noGrp="1"/>
+          </p:cNvSpPr>
+          <p:nvPr>
+            <p:ph idx="1"/>
+          </p:nvPr>
+        </p:nvSpPr>
+        <p:spPr>
+          <a:xfrm>
+            <a:off x="685800" y="1219200"/>
+            <a:ext cx="8305800" cy="5638800"/>
+          </a:xfrm>
+        </p:spPr>
+        <p:txBody>
+          <a:bodyPr>
+            <a:normAutofit lnSpcReduction="10000"/>
+          </a:bodyPr>
+          <a:lstStyle/>
+          <a:p>
+            <a:r>
+              <a:rPr lang="ro-RO" sz="3000" dirty="0">
+                <a:latin typeface="Avenir Medium"/>
+                <a:cs typeface="Avenir Medium"/>
+                <a:hlinkClick r:id="rId2"/>
+              </a:rPr>
+              <a:t>https://github.com/marinfotache/Database-Logic-in-Business-Applications/tree/master/02_Basics%20of%20PL%20SQL</a:t>
+            </a:r>
+            <a:endParaRPr lang="ro-RO" sz="3000" dirty="0">
+              <a:latin typeface="Avenir Medium"/>
+              <a:cs typeface="Avenir Medium"/>
+            </a:endParaRPr>
+          </a:p>
+          <a:p>
+            <a:pPr lvl="1"/>
+            <a:r>
+              <a:rPr lang="ro-RO" sz="2600" dirty="0">
+                <a:latin typeface="Avenir Medium"/>
+                <a:cs typeface="Avenir Medium"/>
+              </a:rPr>
+              <a:t>02_02a...</a:t>
+            </a:r>
+          </a:p>
+          <a:p>
+            <a:pPr lvl="1"/>
+            <a:r>
+              <a:rPr lang="ro-RO" sz="2600" dirty="0">
+                <a:latin typeface="Avenir Medium"/>
+                <a:cs typeface="Avenir Medium"/>
+              </a:rPr>
+              <a:t>02_02b...</a:t>
+            </a:r>
+          </a:p>
+          <a:p>
+            <a:pPr lvl="1"/>
+            <a:r>
+              <a:rPr lang="ro-RO" sz="2600" dirty="0">
+                <a:latin typeface="Avenir Medium"/>
+                <a:cs typeface="Avenir Medium"/>
+              </a:rPr>
+              <a:t>02_02c...</a:t>
+            </a:r>
+          </a:p>
+          <a:p>
+            <a:pPr lvl="1"/>
+            <a:r>
+              <a:rPr lang="ro-RO" sz="2600" dirty="0">
+                <a:latin typeface="Avenir Medium"/>
+                <a:cs typeface="Avenir Medium"/>
+              </a:rPr>
+              <a:t>02_02d...</a:t>
+            </a:r>
+          </a:p>
+          <a:p>
+            <a:pPr lvl="1"/>
+            <a:r>
+              <a:rPr lang="ro-RO" sz="2600" dirty="0">
+                <a:latin typeface="Avenir Medium"/>
+                <a:cs typeface="Avenir Medium"/>
+              </a:rPr>
+              <a:t>02_02e...</a:t>
+            </a:r>
+          </a:p>
+          <a:p>
+            <a:pPr lvl="1"/>
+            <a:r>
+              <a:rPr lang="ro-RO" sz="2600" dirty="0">
+                <a:latin typeface="Avenir Medium"/>
+                <a:cs typeface="Avenir Medium"/>
+              </a:rPr>
+              <a:t>02_02f...</a:t>
+            </a:r>
+          </a:p>
+          <a:p>
+            <a:pPr lvl="1"/>
+            <a:r>
+              <a:rPr lang="ro-RO" sz="2600" dirty="0">
+                <a:latin typeface="Avenir Medium"/>
+                <a:cs typeface="Avenir Medium"/>
+              </a:rPr>
+              <a:t>02_02g...</a:t>
+            </a:r>
+          </a:p>
+          <a:p>
+            <a:pPr lvl="1"/>
+            <a:r>
+              <a:rPr lang="ro-RO" sz="2600" dirty="0">
+                <a:latin typeface="Avenir Medium"/>
+                <a:cs typeface="Avenir Medium"/>
+              </a:rPr>
+              <a:t>02_02h...</a:t>
+            </a:r>
+          </a:p>
+          <a:p>
+            <a:pPr lvl="1"/>
+            <a:endParaRPr lang="ro-RO" sz="2600" dirty="0">
+              <a:latin typeface="Avenir Medium"/>
+              <a:cs typeface="Avenir Medium"/>
+            </a:endParaRPr>
+          </a:p>
+          <a:p>
+            <a:pPr marL="82296" indent="0">
+              <a:buNone/>
+            </a:pPr>
+            <a:endParaRPr lang="ro-RO" sz="3000" dirty="0">
+              <a:latin typeface="Avenir Medium"/>
+              <a:cs typeface="Avenir Medium"/>
+              <a:hlinkClick r:id="rId3"/>
+            </a:endParaRPr>
+          </a:p>
+        </p:txBody>
+      </p:sp>
+    </p:spTree>
+    <p:extLst>
+      <p:ext uri="{BB962C8B-B14F-4D97-AF65-F5344CB8AC3E}">
+        <p14:creationId xmlns:p14="http://schemas.microsoft.com/office/powerpoint/2010/main" val="302811315"/>
       </p:ext>
     </p:extLst>
   </p:cSld>

--- a/02_Basics of PL SQL/02-02_en_Procedures_functions_SELECT_exceptions_cursors.pptx
+++ b/02_Basics of PL SQL/02-02_en_Procedures_functions_SELECT_exceptions_cursors.pptx
@@ -6221,7 +6221,7 @@
         </p:spPr>
         <p:txBody>
           <a:bodyPr>
-            <a:normAutofit fontScale="70000" lnSpcReduction="20000"/>
+            <a:normAutofit fontScale="77500" lnSpcReduction="20000"/>
           </a:bodyPr>
           <a:lstStyle/>
           <a:p>
@@ -6238,13 +6238,19 @@
               <a:buNone/>
             </a:pPr>
             <a:r>
-              <a:rPr lang="ro-RO" sz="3000" dirty="0">
+              <a:rPr lang="ro-RO" sz="2000" dirty="0">
                 <a:latin typeface="Avenir Medium"/>
                 <a:cs typeface="Avenir Medium"/>
                 <a:hlinkClick r:id="rId3"/>
               </a:rPr>
               <a:t>http://www.way2tutorial.com/plsql/tutorial.php</a:t>
             </a:r>
+            <a:endParaRPr lang="ro-RO" sz="2000" dirty="0">
+              <a:latin typeface="Avenir Medium"/>
+              <a:cs typeface="Avenir Medium"/>
+            </a:endParaRPr>
+          </a:p>
+          <a:p>
             <a:endParaRPr lang="ro-RO" sz="3000" dirty="0">
               <a:latin typeface="Avenir Medium"/>
               <a:cs typeface="Avenir Medium"/>
@@ -6264,13 +6270,19 @@
               <a:buNone/>
             </a:pPr>
             <a:r>
-              <a:rPr lang="ro-RO" sz="3000" dirty="0">
+              <a:rPr lang="ro-RO" sz="2000" dirty="0">
                 <a:latin typeface="Avenir Medium"/>
                 <a:cs typeface="Avenir Medium"/>
                 <a:hlinkClick r:id="rId4"/>
               </a:rPr>
               <a:t>http://www.tutorialspoint.com/plsql/index.htm</a:t>
             </a:r>
+            <a:endParaRPr lang="ro-RO" sz="2000" dirty="0">
+              <a:latin typeface="Avenir Medium"/>
+              <a:cs typeface="Avenir Medium"/>
+            </a:endParaRPr>
+          </a:p>
+          <a:p>
             <a:endParaRPr lang="ro-RO" sz="3000" dirty="0">
               <a:latin typeface="Avenir Medium"/>
               <a:cs typeface="Avenir Medium"/>
@@ -6278,11 +6290,18 @@
           </a:p>
           <a:p>
             <a:r>
+              <a:rPr lang="ro-RO" sz="3000" dirty="0" err="1">
+                <a:latin typeface="Avenir Medium"/>
+                <a:cs typeface="Avenir Medium"/>
+              </a:rPr>
+              <a:t>pl</a:t>
+            </a:r>
+            <a:r>
               <a:rPr lang="ro-RO" sz="3000" dirty="0">
                 <a:latin typeface="Avenir Medium"/>
                 <a:cs typeface="Avenir Medium"/>
               </a:rPr>
-              <a:t>pl/sql tutorial</a:t>
+              <a:t>/sql tutorial</a:t>
             </a:r>
           </a:p>
           <a:p>
@@ -6290,13 +6309,19 @@
               <a:buNone/>
             </a:pPr>
             <a:r>
-              <a:rPr lang="ro-RO" sz="3000" dirty="0">
+              <a:rPr lang="ro-RO" sz="2000" dirty="0">
                 <a:latin typeface="Avenir Medium"/>
                 <a:cs typeface="Avenir Medium"/>
                 <a:hlinkClick r:id="rId5"/>
               </a:rPr>
               <a:t>http://plsql-tutorial.com</a:t>
             </a:r>
+            <a:endParaRPr lang="ro-RO" sz="2000" dirty="0">
+              <a:latin typeface="Avenir Medium"/>
+              <a:cs typeface="Avenir Medium"/>
+            </a:endParaRPr>
+          </a:p>
+          <a:p>
             <a:endParaRPr lang="ro-RO" sz="3000" dirty="0">
               <a:latin typeface="Avenir Medium"/>
               <a:cs typeface="Avenir Medium"/>
@@ -6316,13 +6341,19 @@
               <a:buNone/>
             </a:pPr>
             <a:r>
-              <a:rPr lang="ro-RO" sz="3000" dirty="0">
+              <a:rPr lang="ro-RO" sz="2000" dirty="0">
                 <a:latin typeface="Avenir Medium"/>
                 <a:cs typeface="Avenir Medium"/>
                 <a:hlinkClick r:id="rId6"/>
               </a:rPr>
               <a:t>http://www.plsqltutorial.com</a:t>
             </a:r>
+            <a:endParaRPr lang="ro-RO" sz="2000" dirty="0">
+              <a:latin typeface="Avenir Medium"/>
+              <a:cs typeface="Avenir Medium"/>
+            </a:endParaRPr>
+          </a:p>
+          <a:p>
             <a:endParaRPr lang="ro-RO" sz="3000" dirty="0">
               <a:latin typeface="Avenir Medium"/>
               <a:cs typeface="Avenir Medium"/>
@@ -6334,16 +6365,21 @@
                 <a:latin typeface="Avenir Medium"/>
                 <a:cs typeface="Avenir Medium"/>
               </a:rPr>
-              <a:t>Fotache et. 2003, Fotache 2009 (in Romanian) - uploaded on FEAA portal)</a:t>
-            </a:r>
-          </a:p>
-          <a:p>
+              <a:t>Fotache et. 2003, Fotache 2009 (in Romanian) - uploaded on </a:t>
+            </a:r>
+            <a:r>
+              <a:rPr lang="ro-RO" sz="3000" dirty="0" err="1">
+                <a:latin typeface="Avenir Medium"/>
+                <a:cs typeface="Avenir Medium"/>
+              </a:rPr>
+              <a:t>Github</a:t>
+            </a:r>
             <a:r>
               <a:rPr lang="ro-RO" sz="3000" dirty="0">
                 <a:latin typeface="Avenir Medium"/>
                 <a:cs typeface="Avenir Medium"/>
               </a:rPr>
-              <a:t>Steven Feuerstein - Working with Cursors, Oracle Magazine, March/April 2013, </a:t>
+              <a:t>)</a:t>
             </a:r>
           </a:p>
           <a:p>
@@ -6351,39 +6387,42 @@
               <a:buNone/>
             </a:pPr>
             <a:r>
-              <a:rPr lang="ro-RO" sz="3000" dirty="0">
+              <a:rPr lang="ro-RO" sz="1900" dirty="0">
                 <a:latin typeface="Avenir Medium"/>
                 <a:cs typeface="Avenir Medium"/>
                 <a:hlinkClick r:id="rId7"/>
               </a:rPr>
-              <a:t>http://www.oracle.com/technetwork/issue-archive/2012/12-jul/o42plsql-1653077.html</a:t>
-            </a:r>
+              <a:t>https://github.com/marinfotache/Database-Logic-in-Business-Applications/tree/master/Oracle%209i2.%20Ghidul%20dezvoltarii%20aplicatiilor%202003</a:t>
+            </a:r>
+            <a:endParaRPr lang="ro-RO" sz="1900" dirty="0">
+              <a:latin typeface="Avenir Medium"/>
+              <a:cs typeface="Avenir Medium"/>
+            </a:endParaRPr>
+          </a:p>
+          <a:p>
+            <a:pPr marL="82296" indent="0">
+              <a:buNone/>
+            </a:pPr>
+            <a:r>
+              <a:rPr lang="ro-RO" sz="1900" dirty="0">
+                <a:latin typeface="Avenir Medium"/>
+                <a:cs typeface="Avenir Medium"/>
+                <a:hlinkClick r:id="rId8"/>
+              </a:rPr>
+              <a:t>https://github.com/marinfotache/Baze-de-date-I/blob/master/SQL.%20Dialecte%20DB2-%20Oracle-%20PostgreSQL%20si%20SQL%20Server/SQL2009_Cap16_Functii_si_proceduri_stocate.pdf</a:t>
+            </a:r>
+            <a:endParaRPr lang="ro-RO" sz="1900" dirty="0">
+              <a:latin typeface="Avenir Medium"/>
+              <a:cs typeface="Avenir Medium"/>
+            </a:endParaRPr>
+          </a:p>
+          <a:p>
             <a:endParaRPr lang="ro-RO" sz="3000" dirty="0">
               <a:latin typeface="Avenir Medium"/>
               <a:cs typeface="Avenir Medium"/>
             </a:endParaRPr>
           </a:p>
           <a:p>
-            <a:r>
-              <a:rPr lang="ro-RO" sz="3000" dirty="0">
-                <a:latin typeface="Avenir Medium"/>
-                <a:cs typeface="Avenir Medium"/>
-              </a:rPr>
-              <a:t>Steven Feuerstein - Working with Records, Oracle Magazine, May/June 2012, </a:t>
-            </a:r>
-          </a:p>
-          <a:p>
-            <a:pPr marL="82296" indent="0">
-              <a:buNone/>
-            </a:pPr>
-            <a:r>
-              <a:rPr lang="ro-RO" sz="3000" dirty="0">
-                <a:latin typeface="Avenir Medium"/>
-                <a:cs typeface="Avenir Medium"/>
-                <a:hlinkClick r:id="rId8"/>
-              </a:rPr>
-              <a:t>http://www.oracle.com/technetwork/issue-archive/2012/12-may/o32plsql-1578019.html</a:t>
-            </a:r>
             <a:endParaRPr lang="ro-RO" sz="3000" dirty="0">
               <a:latin typeface="Avenir Medium"/>
               <a:cs typeface="Avenir Medium"/>
@@ -6666,7 +6705,7 @@
         </p:spPr>
         <p:txBody>
           <a:bodyPr>
-            <a:normAutofit fontScale="70000" lnSpcReduction="20000"/>
+            <a:normAutofit/>
           </a:bodyPr>
           <a:lstStyle/>
           <a:p>
@@ -6695,25 +6734,8 @@
                 <a:cs typeface="Avenir Medium"/>
                 <a:hlinkClick r:id="rId2"/>
               </a:rPr>
-              <a:t>https</a:t>
-            </a:r>
-            <a:r>
-              <a:rPr lang="ro-RO" sz="3000">
-                <a:latin typeface="Avenir Medium"/>
-                <a:cs typeface="Avenir Medium"/>
-                <a:hlinkClick r:id="rId2"/>
-              </a:rPr>
-              <a:t>://1drv.ms/v/s!AgPvmBEDzTOSwlwA6IclMmi63jzq</a:t>
-            </a:r>
-            <a:endParaRPr lang="ro-RO" sz="3000">
-              <a:latin typeface="Avenir Medium"/>
-              <a:cs typeface="Avenir Medium"/>
-            </a:endParaRPr>
-          </a:p>
-          <a:p>
-            <a:pPr marL="82296" indent="0">
-              <a:buNone/>
-            </a:pPr>
+              <a:t>https://1drv.ms/v/s!AgPvmBEDzTOSwlwA6IclMmi63jzq</a:t>
+            </a:r>
             <a:endParaRPr lang="ro-RO" sz="3000" dirty="0">
               <a:latin typeface="Avenir Medium"/>
               <a:cs typeface="Avenir Medium"/>
@@ -6723,156 +6745,6 @@
             <a:pPr marL="82296" indent="0">
               <a:buNone/>
             </a:pPr>
-            <a:endParaRPr lang="ro-RO" sz="3000" dirty="0">
-              <a:latin typeface="Avenir Medium"/>
-              <a:cs typeface="Avenir Medium"/>
-            </a:endParaRPr>
-          </a:p>
-          <a:p>
-            <a:r>
-              <a:rPr lang="ro-RO" sz="3000" dirty="0">
-                <a:latin typeface="Avenir Medium"/>
-                <a:cs typeface="Avenir Medium"/>
-              </a:rPr>
-              <a:t>PL21 PLSQL Tutorial Implicit Cursors</a:t>
-            </a:r>
-            <a:endParaRPr lang="ro-RO" sz="3000" dirty="0">
-              <a:latin typeface="Avenir Medium"/>
-              <a:cs typeface="Avenir Medium"/>
-              <a:hlinkClick r:id="rId3"/>
-            </a:endParaRPr>
-          </a:p>
-          <a:p>
-            <a:pPr marL="82296" indent="0">
-              <a:buNone/>
-            </a:pPr>
-            <a:r>
-              <a:rPr lang="ro-RO" sz="3000" dirty="0">
-                <a:latin typeface="Avenir Medium"/>
-                <a:cs typeface="Avenir Medium"/>
-                <a:hlinkClick r:id="rId4"/>
-              </a:rPr>
-              <a:t>https://www.youtube.com/watch?v=sv7bEUs8rlw</a:t>
-            </a:r>
-            <a:endParaRPr lang="ro-RO" sz="3000" dirty="0">
-              <a:latin typeface="Avenir Medium"/>
-              <a:cs typeface="Avenir Medium"/>
-            </a:endParaRPr>
-          </a:p>
-          <a:p>
-            <a:r>
-              <a:rPr lang="ro-RO" sz="3000" dirty="0">
-                <a:latin typeface="Avenir Medium"/>
-                <a:cs typeface="Avenir Medium"/>
-              </a:rPr>
-              <a:t>PL22 PL SQL Tutorial Implicit Cursors Hands On)</a:t>
-            </a:r>
-          </a:p>
-          <a:p>
-            <a:pPr marL="82296" indent="0">
-              <a:buNone/>
-            </a:pPr>
-            <a:r>
-              <a:rPr lang="ro-RO" sz="3000" dirty="0">
-                <a:latin typeface="Avenir Medium"/>
-                <a:cs typeface="Avenir Medium"/>
-                <a:hlinkClick r:id="rId5"/>
-              </a:rPr>
-              <a:t>https://www.youtube.com/watch?v=JNFmiQNbJRM</a:t>
-            </a:r>
-            <a:endParaRPr lang="ro-RO" sz="3000" dirty="0">
-              <a:latin typeface="Avenir Medium"/>
-              <a:cs typeface="Avenir Medium"/>
-            </a:endParaRPr>
-          </a:p>
-          <a:p>
-            <a:r>
-              <a:rPr lang="ro-RO" sz="3000" dirty="0">
-                <a:latin typeface="Avenir Medium"/>
-                <a:cs typeface="Avenir Medium"/>
-              </a:rPr>
-              <a:t>PL23 PLSQL Tutorial Explicit cursors in PL SQL blocks Theory)</a:t>
-            </a:r>
-            <a:endParaRPr lang="ro-RO" sz="3000" dirty="0">
-              <a:latin typeface="Avenir Medium"/>
-              <a:cs typeface="Avenir Medium"/>
-              <a:hlinkClick r:id="rId6"/>
-            </a:endParaRPr>
-          </a:p>
-          <a:p>
-            <a:pPr marL="82296" indent="0">
-              <a:buNone/>
-            </a:pPr>
-            <a:r>
-              <a:rPr lang="ro-RO" sz="3000" dirty="0">
-                <a:latin typeface="Avenir Medium"/>
-                <a:cs typeface="Avenir Medium"/>
-                <a:hlinkClick r:id="rId7"/>
-              </a:rPr>
-              <a:t>https://www.youtube.com/watch?v=84104L3NnuY&amp;spfreload=10</a:t>
-            </a:r>
-            <a:endParaRPr lang="ro-RO" sz="3000" dirty="0">
-              <a:latin typeface="Avenir Medium"/>
-              <a:cs typeface="Avenir Medium"/>
-            </a:endParaRPr>
-          </a:p>
-          <a:p>
-            <a:r>
-              <a:rPr lang="ro-RO" sz="3000" dirty="0">
-                <a:latin typeface="Avenir Medium"/>
-                <a:cs typeface="Avenir Medium"/>
-              </a:rPr>
-              <a:t>PL24 PL SQL Tutorial Explicit Cursors Hands on)</a:t>
-            </a:r>
-            <a:endParaRPr lang="ro-RO" sz="3000" dirty="0">
-              <a:latin typeface="Avenir Medium"/>
-              <a:cs typeface="Avenir Medium"/>
-              <a:hlinkClick r:id="rId8"/>
-            </a:endParaRPr>
-          </a:p>
-          <a:p>
-            <a:pPr marL="82296" indent="0">
-              <a:buNone/>
-            </a:pPr>
-            <a:r>
-              <a:rPr lang="ro-RO" sz="3000" dirty="0">
-                <a:latin typeface="Avenir Medium"/>
-                <a:cs typeface="Avenir Medium"/>
-                <a:hlinkClick r:id="rId9"/>
-              </a:rPr>
-              <a:t>https://www.youtube.com/watch?v=ARuIyRd6qg4&amp;spfreload=10</a:t>
-            </a:r>
-            <a:endParaRPr lang="ro-RO" sz="3000" dirty="0">
-              <a:latin typeface="Avenir Medium"/>
-              <a:cs typeface="Avenir Medium"/>
-            </a:endParaRPr>
-          </a:p>
-          <a:p>
-            <a:r>
-              <a:rPr lang="ro-RO" sz="3000" dirty="0">
-                <a:latin typeface="Avenir Medium"/>
-                <a:cs typeface="Avenir Medium"/>
-              </a:rPr>
-              <a:t>PL25 PLSQL Tutorial %TYPE and %ROWTYPE attributes</a:t>
-            </a:r>
-            <a:endParaRPr lang="ro-RO" sz="3000" dirty="0">
-              <a:latin typeface="Avenir Medium"/>
-              <a:cs typeface="Avenir Medium"/>
-              <a:hlinkClick r:id="rId8"/>
-            </a:endParaRPr>
-          </a:p>
-          <a:p>
-            <a:pPr marL="82296" indent="0">
-              <a:buNone/>
-            </a:pPr>
-            <a:r>
-              <a:rPr lang="ro-RO" sz="3000" dirty="0">
-                <a:latin typeface="Avenir Medium"/>
-                <a:cs typeface="Avenir Medium"/>
-                <a:hlinkClick r:id="rId10"/>
-              </a:rPr>
-              <a:t>https://www.youtube.com/watch?v=vawx8CjftOo</a:t>
-            </a:r>
             <a:endParaRPr lang="ro-RO" sz="3000" dirty="0">
               <a:latin typeface="Avenir Medium"/>
               <a:cs typeface="Avenir Medium"/>
